--- a/cp.pptx
+++ b/cp.pptx
@@ -5,7 +5,7 @@
     <p:sldMasterId id="2147483648" r:id="rId1"/>
   </p:sldMasterIdLst>
   <p:notesMasterIdLst>
-    <p:notesMasterId r:id="rId7"/>
+    <p:notesMasterId r:id="rId10"/>
   </p:notesMasterIdLst>
   <p:sldIdLst>
     <p:sldId id="256" r:id="rId2"/>
@@ -13,6 +13,9 @@
     <p:sldId id="258" r:id="rId4"/>
     <p:sldId id="259" r:id="rId5"/>
     <p:sldId id="260" r:id="rId6"/>
+    <p:sldId id="261" r:id="rId7"/>
+    <p:sldId id="262" r:id="rId8"/>
+    <p:sldId id="263" r:id="rId9"/>
   </p:sldIdLst>
   <p:sldSz cx="12192000" cy="6858000"/>
   <p:notesSz cx="6858000" cy="9144000"/>
@@ -111,6 +114,11 @@
       </a:defRPr>
     </a:lvl9pPr>
   </p:defaultTextStyle>
+  <p:extLst>
+    <p:ext uri="{EFAFB233-063F-42B5-8137-9DF3F51BA10A}">
+      <p15:sldGuideLst xmlns:p15="http://schemas.microsoft.com/office/powerpoint/2012/main"/>
+    </p:ext>
+  </p:extLst>
 </p:presentation>
 </file>
 
@@ -778,7 +786,7 @@
           <a:p>
             <a:fld id="{36A64229-0E45-4F89-888E-C0CE591F8631}" type="datetimeFigureOut">
               <a:rPr lang="zh-CN" altLang="en-US" smtClean="0"/>
-              <a:t>2019/9/9</a:t>
+              <a:t>2019/9/10</a:t>
             </a:fld>
             <a:endParaRPr lang="zh-CN" altLang="en-US"/>
           </a:p>
@@ -976,7 +984,7 @@
           <a:p>
             <a:fld id="{36A64229-0E45-4F89-888E-C0CE591F8631}" type="datetimeFigureOut">
               <a:rPr lang="zh-CN" altLang="en-US" smtClean="0"/>
-              <a:t>2019/9/9</a:t>
+              <a:t>2019/9/10</a:t>
             </a:fld>
             <a:endParaRPr lang="zh-CN" altLang="en-US"/>
           </a:p>
@@ -1184,7 +1192,7 @@
           <a:p>
             <a:fld id="{36A64229-0E45-4F89-888E-C0CE591F8631}" type="datetimeFigureOut">
               <a:rPr lang="zh-CN" altLang="en-US" smtClean="0"/>
-              <a:t>2019/9/9</a:t>
+              <a:t>2019/9/10</a:t>
             </a:fld>
             <a:endParaRPr lang="zh-CN" altLang="en-US"/>
           </a:p>
@@ -1382,7 +1390,7 @@
           <a:p>
             <a:fld id="{36A64229-0E45-4F89-888E-C0CE591F8631}" type="datetimeFigureOut">
               <a:rPr lang="zh-CN" altLang="en-US" smtClean="0"/>
-              <a:t>2019/9/9</a:t>
+              <a:t>2019/9/10</a:t>
             </a:fld>
             <a:endParaRPr lang="zh-CN" altLang="en-US"/>
           </a:p>
@@ -1657,7 +1665,7 @@
           <a:p>
             <a:fld id="{36A64229-0E45-4F89-888E-C0CE591F8631}" type="datetimeFigureOut">
               <a:rPr lang="zh-CN" altLang="en-US" smtClean="0"/>
-              <a:t>2019/9/9</a:t>
+              <a:t>2019/9/10</a:t>
             </a:fld>
             <a:endParaRPr lang="zh-CN" altLang="en-US"/>
           </a:p>
@@ -1922,7 +1930,7 @@
           <a:p>
             <a:fld id="{36A64229-0E45-4F89-888E-C0CE591F8631}" type="datetimeFigureOut">
               <a:rPr lang="zh-CN" altLang="en-US" smtClean="0"/>
-              <a:t>2019/9/9</a:t>
+              <a:t>2019/9/10</a:t>
             </a:fld>
             <a:endParaRPr lang="zh-CN" altLang="en-US"/>
           </a:p>
@@ -2334,7 +2342,7 @@
           <a:p>
             <a:fld id="{36A64229-0E45-4F89-888E-C0CE591F8631}" type="datetimeFigureOut">
               <a:rPr lang="zh-CN" altLang="en-US" smtClean="0"/>
-              <a:t>2019/9/9</a:t>
+              <a:t>2019/9/10</a:t>
             </a:fld>
             <a:endParaRPr lang="zh-CN" altLang="en-US"/>
           </a:p>
@@ -2475,7 +2483,7 @@
           <a:p>
             <a:fld id="{36A64229-0E45-4F89-888E-C0CE591F8631}" type="datetimeFigureOut">
               <a:rPr lang="zh-CN" altLang="en-US" smtClean="0"/>
-              <a:t>2019/9/9</a:t>
+              <a:t>2019/9/10</a:t>
             </a:fld>
             <a:endParaRPr lang="zh-CN" altLang="en-US"/>
           </a:p>
@@ -2588,7 +2596,7 @@
           <a:p>
             <a:fld id="{36A64229-0E45-4F89-888E-C0CE591F8631}" type="datetimeFigureOut">
               <a:rPr lang="zh-CN" altLang="en-US" smtClean="0"/>
-              <a:t>2019/9/9</a:t>
+              <a:t>2019/9/10</a:t>
             </a:fld>
             <a:endParaRPr lang="zh-CN" altLang="en-US"/>
           </a:p>
@@ -2899,7 +2907,7 @@
           <a:p>
             <a:fld id="{36A64229-0E45-4F89-888E-C0CE591F8631}" type="datetimeFigureOut">
               <a:rPr lang="zh-CN" altLang="en-US" smtClean="0"/>
-              <a:t>2019/9/9</a:t>
+              <a:t>2019/9/10</a:t>
             </a:fld>
             <a:endParaRPr lang="zh-CN" altLang="en-US"/>
           </a:p>
@@ -3187,7 +3195,7 @@
           <a:p>
             <a:fld id="{36A64229-0E45-4F89-888E-C0CE591F8631}" type="datetimeFigureOut">
               <a:rPr lang="zh-CN" altLang="en-US" smtClean="0"/>
-              <a:t>2019/9/9</a:t>
+              <a:t>2019/9/10</a:t>
             </a:fld>
             <a:endParaRPr lang="zh-CN" altLang="en-US"/>
           </a:p>
@@ -3428,7 +3436,7 @@
           <a:p>
             <a:fld id="{36A64229-0E45-4F89-888E-C0CE591F8631}" type="datetimeFigureOut">
               <a:rPr lang="zh-CN" altLang="en-US" smtClean="0"/>
-              <a:t>2019/9/9</a:t>
+              <a:t>2019/9/10</a:t>
             </a:fld>
             <a:endParaRPr lang="zh-CN" altLang="en-US"/>
           </a:p>
@@ -4632,38 +4640,1191 @@
           </a:p>
         </p:txBody>
       </p:sp>
-      <p:sp>
-        <p:nvSpPr>
-          <p:cNvPr id="3" name="内容占位符 2">
-            <a:extLst>
-              <a:ext uri="{FF2B5EF4-FFF2-40B4-BE49-F238E27FC236}">
-                <a16:creationId xmlns:a16="http://schemas.microsoft.com/office/drawing/2014/main" id="{63A000C6-1F63-480F-9D70-52A0A894AF2B}"/>
-              </a:ext>
-            </a:extLst>
-          </p:cNvPr>
-          <p:cNvSpPr>
-            <a:spLocks noGrp="1"/>
-          </p:cNvSpPr>
+      <p:graphicFrame>
+        <p:nvGraphicFramePr>
+          <p:cNvPr id="4" name="表格 4">
+            <a:extLst>
+              <a:ext uri="{FF2B5EF4-FFF2-40B4-BE49-F238E27FC236}">
+                <a16:creationId xmlns:a16="http://schemas.microsoft.com/office/drawing/2014/main" id="{EF53EDBF-81AC-4F33-A895-B38CF696287C}"/>
+              </a:ext>
+            </a:extLst>
+          </p:cNvPr>
+          <p:cNvGraphicFramePr>
+            <a:graphicFrameLocks noGrp="1"/>
+          </p:cNvGraphicFramePr>
           <p:nvPr>
             <p:ph idx="1"/>
-          </p:nvPr>
-        </p:nvSpPr>
-        <p:spPr/>
-        <p:txBody>
-          <a:bodyPr/>
-          <a:lstStyle/>
-          <a:p>
-            <a:r>
-              <a:rPr lang="zh-CN" altLang="en-US" dirty="0"/>
-              <a:t>专门的连接池运行独立线程进行创建连接，回收连接</a:t>
-            </a:r>
-          </a:p>
-        </p:txBody>
-      </p:sp>
+            <p:extLst>
+              <p:ext uri="{D42A27DB-BD31-4B8C-83A1-F6EECF244321}">
+                <p14:modId xmlns:p14="http://schemas.microsoft.com/office/powerpoint/2010/main" val="1957343082"/>
+              </p:ext>
+            </p:extLst>
+          </p:nvPr>
+        </p:nvGraphicFramePr>
+        <p:xfrm>
+          <a:off x="838200" y="1825625"/>
+          <a:ext cx="10515600" cy="4079240"/>
+        </p:xfrm>
+        <a:graphic>
+          <a:graphicData uri="http://schemas.openxmlformats.org/drawingml/2006/table">
+            <a:tbl>
+              <a:tblPr firstRow="1" bandRow="1">
+                <a:tableStyleId>{5C22544A-7EE6-4342-B048-85BDC9FD1C3A}</a:tableStyleId>
+              </a:tblPr>
+              <a:tblGrid>
+                <a:gridCol w="5257800">
+                  <a:extLst>
+                    <a:ext uri="{9D8B030D-6E8A-4147-A177-3AD203B41FA5}">
+                      <a16:colId xmlns:a16="http://schemas.microsoft.com/office/drawing/2014/main" val="1798286728"/>
+                    </a:ext>
+                  </a:extLst>
+                </a:gridCol>
+                <a:gridCol w="5257800">
+                  <a:extLst>
+                    <a:ext uri="{9D8B030D-6E8A-4147-A177-3AD203B41FA5}">
+                      <a16:colId xmlns:a16="http://schemas.microsoft.com/office/drawing/2014/main" val="4244328109"/>
+                    </a:ext>
+                  </a:extLst>
+                </a:gridCol>
+              </a:tblGrid>
+              <a:tr h="370840">
+                <a:tc>
+                  <a:txBody>
+                    <a:bodyPr/>
+                    <a:lstStyle/>
+                    <a:p>
+                      <a:r>
+                        <a:rPr lang="en-US" altLang="zh-CN" dirty="0" err="1"/>
+                        <a:t>Hikari</a:t>
+                      </a:r>
+                      <a:r>
+                        <a:rPr lang="zh-CN" altLang="en-US" dirty="0"/>
+                        <a:t>指标</a:t>
+                      </a:r>
+                    </a:p>
+                  </a:txBody>
+                  <a:tcPr/>
+                </a:tc>
+                <a:tc>
+                  <a:txBody>
+                    <a:bodyPr/>
+                    <a:lstStyle/>
+                    <a:p>
+                      <a:r>
+                        <a:rPr lang="zh-CN" altLang="en-US" dirty="0"/>
+                        <a:t>说明</a:t>
+                      </a:r>
+                    </a:p>
+                  </a:txBody>
+                  <a:tcPr/>
+                </a:tc>
+                <a:extLst>
+                  <a:ext uri="{0D108BD9-81ED-4DB2-BD59-A6C34878D82A}">
+                    <a16:rowId xmlns:a16="http://schemas.microsoft.com/office/drawing/2014/main" val="1258053864"/>
+                  </a:ext>
+                </a:extLst>
+              </a:tr>
+              <a:tr h="370840">
+                <a:tc>
+                  <a:txBody>
+                    <a:bodyPr/>
+                    <a:lstStyle/>
+                    <a:p>
+                      <a:pPr marL="0" algn="l" defTabSz="914400" rtl="0" eaLnBrk="1" fontAlgn="b" latinLnBrk="0" hangingPunct="1"/>
+                      <a:r>
+                        <a:rPr lang="en-US" sz="1800" b="0" kern="1200" dirty="0" err="1">
+                          <a:solidFill>
+                            <a:schemeClr val="tx1"/>
+                          </a:solidFill>
+                          <a:latin typeface="+mn-lt"/>
+                          <a:ea typeface="+mn-ea"/>
+                          <a:cs typeface="+mn-cs"/>
+                        </a:rPr>
+                        <a:t>hikaricp.connection.timeout</a:t>
+                      </a:r>
+                      <a:endParaRPr lang="en-US" sz="1800" b="0" kern="1200" dirty="0">
+                        <a:solidFill>
+                          <a:schemeClr val="tx1"/>
+                        </a:solidFill>
+                        <a:latin typeface="+mn-lt"/>
+                        <a:ea typeface="+mn-ea"/>
+                        <a:cs typeface="+mn-cs"/>
+                      </a:endParaRPr>
+                    </a:p>
+                  </a:txBody>
+                  <a:tcPr marL="5443" marR="5443" marT="5443" marB="0" anchor="b"/>
+                </a:tc>
+                <a:tc>
+                  <a:txBody>
+                    <a:bodyPr/>
+                    <a:lstStyle/>
+                    <a:p>
+                      <a:pPr marL="0" algn="l" defTabSz="914400" rtl="0" eaLnBrk="1" fontAlgn="b" latinLnBrk="0" hangingPunct="1"/>
+                      <a:r>
+                        <a:rPr lang="zh-CN" altLang="en-US" sz="1800" b="0" kern="1200">
+                          <a:solidFill>
+                            <a:schemeClr val="tx1"/>
+                          </a:solidFill>
+                          <a:latin typeface="+mn-lt"/>
+                          <a:ea typeface="+mn-ea"/>
+                          <a:cs typeface="+mn-cs"/>
+                        </a:rPr>
+                        <a:t>每分钟超时连接数</a:t>
+                      </a:r>
+                    </a:p>
+                  </a:txBody>
+                  <a:tcPr marL="5443" marR="5443" marT="5443" marB="0" anchor="b"/>
+                </a:tc>
+                <a:extLst>
+                  <a:ext uri="{0D108BD9-81ED-4DB2-BD59-A6C34878D82A}">
+                    <a16:rowId xmlns:a16="http://schemas.microsoft.com/office/drawing/2014/main" val="2597753015"/>
+                  </a:ext>
+                </a:extLst>
+              </a:tr>
+              <a:tr h="370840">
+                <a:tc>
+                  <a:txBody>
+                    <a:bodyPr/>
+                    <a:lstStyle/>
+                    <a:p>
+                      <a:pPr marL="0" algn="l" defTabSz="914400" rtl="0" eaLnBrk="1" fontAlgn="b" latinLnBrk="0" hangingPunct="1"/>
+                      <a:r>
+                        <a:rPr lang="en-US" sz="1800" b="0" kern="1200" dirty="0" err="1">
+                          <a:solidFill>
+                            <a:schemeClr val="tx1"/>
+                          </a:solidFill>
+                          <a:latin typeface="+mn-lt"/>
+                          <a:ea typeface="+mn-ea"/>
+                          <a:cs typeface="+mn-cs"/>
+                        </a:rPr>
+                        <a:t>hikaricp.c</a:t>
+                      </a:r>
+                      <a:r>
+                        <a:rPr lang="en-US" altLang="zh-CN" sz="1800" b="0" kern="1200" dirty="0" err="1">
+                          <a:solidFill>
+                            <a:schemeClr val="tx1"/>
+                          </a:solidFill>
+                          <a:latin typeface="+mn-lt"/>
+                          <a:ea typeface="+mn-ea"/>
+                          <a:cs typeface="+mn-cs"/>
+                        </a:rPr>
+                        <a:t>onnection.</a:t>
+                      </a:r>
+                      <a:r>
+                        <a:rPr lang="en-US" sz="1800" b="0" kern="1200" dirty="0" err="1">
+                          <a:solidFill>
+                            <a:schemeClr val="tx1"/>
+                          </a:solidFill>
+                          <a:latin typeface="+mn-lt"/>
+                          <a:ea typeface="+mn-ea"/>
+                          <a:cs typeface="+mn-cs"/>
+                        </a:rPr>
+                        <a:t>pending</a:t>
+                      </a:r>
+                      <a:endParaRPr lang="en-US" sz="1800" b="0" kern="1200" dirty="0">
+                        <a:solidFill>
+                          <a:schemeClr val="tx1"/>
+                        </a:solidFill>
+                        <a:latin typeface="+mn-lt"/>
+                        <a:ea typeface="+mn-ea"/>
+                        <a:cs typeface="+mn-cs"/>
+                      </a:endParaRPr>
+                    </a:p>
+                  </a:txBody>
+                  <a:tcPr marL="5443" marR="5443" marT="5443" marB="0" anchor="b"/>
+                </a:tc>
+                <a:tc>
+                  <a:txBody>
+                    <a:bodyPr/>
+                    <a:lstStyle/>
+                    <a:p>
+                      <a:pPr marL="0" algn="l" defTabSz="914400" rtl="0" eaLnBrk="1" fontAlgn="b" latinLnBrk="0" hangingPunct="1"/>
+                      <a:r>
+                        <a:rPr lang="zh-CN" altLang="en-US" sz="1800" b="0" kern="1200">
+                          <a:solidFill>
+                            <a:schemeClr val="tx1"/>
+                          </a:solidFill>
+                          <a:latin typeface="+mn-lt"/>
+                          <a:ea typeface="+mn-ea"/>
+                          <a:cs typeface="+mn-cs"/>
+                        </a:rPr>
+                        <a:t>当前排队获取连接的线程数</a:t>
+                      </a:r>
+                    </a:p>
+                  </a:txBody>
+                  <a:tcPr marL="5443" marR="5443" marT="5443" marB="0" anchor="b"/>
+                </a:tc>
+                <a:extLst>
+                  <a:ext uri="{0D108BD9-81ED-4DB2-BD59-A6C34878D82A}">
+                    <a16:rowId xmlns:a16="http://schemas.microsoft.com/office/drawing/2014/main" val="3072252079"/>
+                  </a:ext>
+                </a:extLst>
+              </a:tr>
+              <a:tr h="370840">
+                <a:tc>
+                  <a:txBody>
+                    <a:bodyPr/>
+                    <a:lstStyle/>
+                    <a:p>
+                      <a:pPr marL="0" algn="l" defTabSz="914400" rtl="0" eaLnBrk="1" fontAlgn="b" latinLnBrk="0" hangingPunct="1"/>
+                      <a:r>
+                        <a:rPr lang="en-US" sz="1800" b="0" kern="1200" dirty="0" err="1">
+                          <a:solidFill>
+                            <a:schemeClr val="tx1"/>
+                          </a:solidFill>
+                          <a:latin typeface="+mn-lt"/>
+                          <a:ea typeface="+mn-ea"/>
+                          <a:cs typeface="+mn-cs"/>
+                        </a:rPr>
+                        <a:t>hikaricp.connection.acquired</a:t>
+                      </a:r>
+                      <a:endParaRPr lang="en-US" sz="1800" b="0" kern="1200" dirty="0">
+                        <a:solidFill>
+                          <a:schemeClr val="tx1"/>
+                        </a:solidFill>
+                        <a:latin typeface="+mn-lt"/>
+                        <a:ea typeface="+mn-ea"/>
+                        <a:cs typeface="+mn-cs"/>
+                      </a:endParaRPr>
+                    </a:p>
+                  </a:txBody>
+                  <a:tcPr marL="5443" marR="5443" marT="5443" marB="0" anchor="b"/>
+                </a:tc>
+                <a:tc>
+                  <a:txBody>
+                    <a:bodyPr/>
+                    <a:lstStyle/>
+                    <a:p>
+                      <a:pPr marL="0" algn="l" defTabSz="914400" rtl="0" eaLnBrk="1" fontAlgn="b" latinLnBrk="0" hangingPunct="1"/>
+                      <a:r>
+                        <a:rPr lang="zh-CN" altLang="en-US" sz="1800" b="0" kern="1200">
+                          <a:solidFill>
+                            <a:schemeClr val="tx1"/>
+                          </a:solidFill>
+                          <a:latin typeface="+mn-lt"/>
+                          <a:ea typeface="+mn-ea"/>
+                          <a:cs typeface="+mn-cs"/>
+                        </a:rPr>
+                        <a:t>连接获取的等待时间</a:t>
+                      </a:r>
+                    </a:p>
+                  </a:txBody>
+                  <a:tcPr marL="5443" marR="5443" marT="5443" marB="0" anchor="b"/>
+                </a:tc>
+                <a:extLst>
+                  <a:ext uri="{0D108BD9-81ED-4DB2-BD59-A6C34878D82A}">
+                    <a16:rowId xmlns:a16="http://schemas.microsoft.com/office/drawing/2014/main" val="1135187816"/>
+                  </a:ext>
+                </a:extLst>
+              </a:tr>
+              <a:tr h="370840">
+                <a:tc>
+                  <a:txBody>
+                    <a:bodyPr/>
+                    <a:lstStyle/>
+                    <a:p>
+                      <a:pPr marL="0" algn="l" defTabSz="914400" rtl="0" eaLnBrk="1" fontAlgn="b" latinLnBrk="0" hangingPunct="1"/>
+                      <a:r>
+                        <a:rPr lang="en-US" sz="1800" b="0" kern="1200" dirty="0" err="1">
+                          <a:solidFill>
+                            <a:schemeClr val="tx1"/>
+                          </a:solidFill>
+                          <a:latin typeface="+mn-lt"/>
+                          <a:ea typeface="+mn-ea"/>
+                          <a:cs typeface="+mn-cs"/>
+                        </a:rPr>
+                        <a:t>hikaricp.connections.active</a:t>
+                      </a:r>
+                      <a:endParaRPr lang="en-US" sz="1800" b="0" kern="1200" dirty="0">
+                        <a:solidFill>
+                          <a:schemeClr val="tx1"/>
+                        </a:solidFill>
+                        <a:latin typeface="+mn-lt"/>
+                        <a:ea typeface="+mn-ea"/>
+                        <a:cs typeface="+mn-cs"/>
+                      </a:endParaRPr>
+                    </a:p>
+                  </a:txBody>
+                  <a:tcPr marL="5443" marR="5443" marT="5443" marB="0" anchor="b"/>
+                </a:tc>
+                <a:tc>
+                  <a:txBody>
+                    <a:bodyPr/>
+                    <a:lstStyle/>
+                    <a:p>
+                      <a:pPr marL="0" algn="l" defTabSz="914400" rtl="0" eaLnBrk="1" fontAlgn="b" latinLnBrk="0" hangingPunct="1"/>
+                      <a:r>
+                        <a:rPr lang="zh-CN" altLang="en-US" sz="1800" b="0" kern="1200">
+                          <a:solidFill>
+                            <a:schemeClr val="tx1"/>
+                          </a:solidFill>
+                          <a:latin typeface="+mn-lt"/>
+                          <a:ea typeface="+mn-ea"/>
+                          <a:cs typeface="+mn-cs"/>
+                        </a:rPr>
+                        <a:t>当前正在使用的连接数</a:t>
+                      </a:r>
+                    </a:p>
+                  </a:txBody>
+                  <a:tcPr marL="5443" marR="5443" marT="5443" marB="0" anchor="b"/>
+                </a:tc>
+                <a:extLst>
+                  <a:ext uri="{0D108BD9-81ED-4DB2-BD59-A6C34878D82A}">
+                    <a16:rowId xmlns:a16="http://schemas.microsoft.com/office/drawing/2014/main" val="4226983098"/>
+                  </a:ext>
+                </a:extLst>
+              </a:tr>
+              <a:tr h="370840">
+                <a:tc>
+                  <a:txBody>
+                    <a:bodyPr/>
+                    <a:lstStyle/>
+                    <a:p>
+                      <a:pPr marL="0" algn="l" defTabSz="914400" rtl="0" eaLnBrk="1" fontAlgn="b" latinLnBrk="0" hangingPunct="1"/>
+                      <a:r>
+                        <a:rPr lang="en-US" sz="1800" b="0" kern="1200" dirty="0" err="1">
+                          <a:solidFill>
+                            <a:schemeClr val="tx1"/>
+                          </a:solidFill>
+                          <a:latin typeface="+mn-lt"/>
+                          <a:ea typeface="+mn-ea"/>
+                          <a:cs typeface="+mn-cs"/>
+                        </a:rPr>
+                        <a:t>hikaricp.connections.creation</a:t>
+                      </a:r>
+                      <a:endParaRPr lang="en-US" sz="1800" b="0" kern="1200" dirty="0">
+                        <a:solidFill>
+                          <a:schemeClr val="tx1"/>
+                        </a:solidFill>
+                        <a:latin typeface="+mn-lt"/>
+                        <a:ea typeface="+mn-ea"/>
+                        <a:cs typeface="+mn-cs"/>
+                      </a:endParaRPr>
+                    </a:p>
+                  </a:txBody>
+                  <a:tcPr marL="5443" marR="5443" marT="5443" marB="0" anchor="b"/>
+                </a:tc>
+                <a:tc>
+                  <a:txBody>
+                    <a:bodyPr/>
+                    <a:lstStyle/>
+                    <a:p>
+                      <a:pPr marL="0" algn="l" defTabSz="914400" rtl="0" eaLnBrk="1" fontAlgn="b" latinLnBrk="0" hangingPunct="1"/>
+                      <a:r>
+                        <a:rPr lang="zh-CN" altLang="en-US" sz="1800" b="0" kern="1200">
+                          <a:solidFill>
+                            <a:schemeClr val="tx1"/>
+                          </a:solidFill>
+                          <a:latin typeface="+mn-lt"/>
+                          <a:ea typeface="+mn-ea"/>
+                          <a:cs typeface="+mn-cs"/>
+                        </a:rPr>
+                        <a:t>创建连接成功的耗时</a:t>
+                      </a:r>
+                    </a:p>
+                  </a:txBody>
+                  <a:tcPr marL="5443" marR="5443" marT="5443" marB="0" anchor="b"/>
+                </a:tc>
+                <a:extLst>
+                  <a:ext uri="{0D108BD9-81ED-4DB2-BD59-A6C34878D82A}">
+                    <a16:rowId xmlns:a16="http://schemas.microsoft.com/office/drawing/2014/main" val="1027542666"/>
+                  </a:ext>
+                </a:extLst>
+              </a:tr>
+              <a:tr h="370840">
+                <a:tc>
+                  <a:txBody>
+                    <a:bodyPr/>
+                    <a:lstStyle/>
+                    <a:p>
+                      <a:pPr marL="0" algn="l" defTabSz="914400" rtl="0" eaLnBrk="1" fontAlgn="b" latinLnBrk="0" hangingPunct="1"/>
+                      <a:r>
+                        <a:rPr lang="en-US" sz="1800" b="0" kern="1200" dirty="0" err="1">
+                          <a:solidFill>
+                            <a:schemeClr val="tx1"/>
+                          </a:solidFill>
+                          <a:latin typeface="+mn-lt"/>
+                          <a:ea typeface="+mn-ea"/>
+                          <a:cs typeface="+mn-cs"/>
+                        </a:rPr>
+                        <a:t>hikaricp.connections.</a:t>
+                      </a:r>
+                      <a:r>
+                        <a:rPr lang="en-US" altLang="zh-CN" sz="1800" b="0" kern="1200" dirty="0" err="1">
+                          <a:solidFill>
+                            <a:schemeClr val="tx1"/>
+                          </a:solidFill>
+                          <a:latin typeface="+mn-lt"/>
+                          <a:ea typeface="+mn-ea"/>
+                          <a:cs typeface="+mn-cs"/>
+                        </a:rPr>
+                        <a:t>idle</a:t>
+                      </a:r>
+                      <a:endParaRPr lang="en-US" sz="1800" b="0" kern="1200" dirty="0">
+                        <a:solidFill>
+                          <a:schemeClr val="tx1"/>
+                        </a:solidFill>
+                        <a:latin typeface="+mn-lt"/>
+                        <a:ea typeface="+mn-ea"/>
+                        <a:cs typeface="+mn-cs"/>
+                      </a:endParaRPr>
+                    </a:p>
+                  </a:txBody>
+                  <a:tcPr marL="5443" marR="5443" marT="5443" marB="0" anchor="b"/>
+                </a:tc>
+                <a:tc>
+                  <a:txBody>
+                    <a:bodyPr/>
+                    <a:lstStyle/>
+                    <a:p>
+                      <a:pPr marL="0" algn="l" defTabSz="914400" rtl="0" eaLnBrk="1" fontAlgn="b" latinLnBrk="0" hangingPunct="1"/>
+                      <a:r>
+                        <a:rPr lang="zh-CN" altLang="en-US" sz="1800" b="0" kern="1200">
+                          <a:solidFill>
+                            <a:schemeClr val="tx1"/>
+                          </a:solidFill>
+                          <a:latin typeface="+mn-lt"/>
+                          <a:ea typeface="+mn-ea"/>
+                          <a:cs typeface="+mn-cs"/>
+                        </a:rPr>
+                        <a:t>当前空闲连接数</a:t>
+                      </a:r>
+                    </a:p>
+                  </a:txBody>
+                  <a:tcPr marL="5443" marR="5443" marT="5443" marB="0" anchor="b"/>
+                </a:tc>
+                <a:extLst>
+                  <a:ext uri="{0D108BD9-81ED-4DB2-BD59-A6C34878D82A}">
+                    <a16:rowId xmlns:a16="http://schemas.microsoft.com/office/drawing/2014/main" val="3633317053"/>
+                  </a:ext>
+                </a:extLst>
+              </a:tr>
+              <a:tr h="370840">
+                <a:tc>
+                  <a:txBody>
+                    <a:bodyPr/>
+                    <a:lstStyle/>
+                    <a:p>
+                      <a:pPr marL="0" algn="l" defTabSz="914400" rtl="0" eaLnBrk="1" fontAlgn="b" latinLnBrk="0" hangingPunct="1"/>
+                      <a:r>
+                        <a:rPr lang="en-US" sz="1800" b="0" kern="1200" dirty="0" err="1">
+                          <a:solidFill>
+                            <a:schemeClr val="tx1"/>
+                          </a:solidFill>
+                          <a:latin typeface="+mn-lt"/>
+                          <a:ea typeface="+mn-ea"/>
+                          <a:cs typeface="+mn-cs"/>
+                        </a:rPr>
+                        <a:t>hikaricp.connection.usage</a:t>
+                      </a:r>
+                      <a:endParaRPr lang="en-US" sz="1800" b="0" kern="1200" dirty="0">
+                        <a:solidFill>
+                          <a:schemeClr val="tx1"/>
+                        </a:solidFill>
+                        <a:latin typeface="+mn-lt"/>
+                        <a:ea typeface="+mn-ea"/>
+                        <a:cs typeface="+mn-cs"/>
+                      </a:endParaRPr>
+                    </a:p>
+                  </a:txBody>
+                  <a:tcPr marL="5443" marR="5443" marT="5443" marB="0" anchor="b"/>
+                </a:tc>
+                <a:tc>
+                  <a:txBody>
+                    <a:bodyPr/>
+                    <a:lstStyle/>
+                    <a:p>
+                      <a:pPr marL="0" algn="l" defTabSz="914400" rtl="0" eaLnBrk="1" fontAlgn="b" latinLnBrk="0" hangingPunct="1"/>
+                      <a:r>
+                        <a:rPr lang="zh-CN" altLang="en-US" sz="1800" b="0" kern="1200">
+                          <a:solidFill>
+                            <a:schemeClr val="tx1"/>
+                          </a:solidFill>
+                          <a:latin typeface="+mn-lt"/>
+                          <a:ea typeface="+mn-ea"/>
+                          <a:cs typeface="+mn-cs"/>
+                        </a:rPr>
+                        <a:t>连接被复用的间隔时长</a:t>
+                      </a:r>
+                    </a:p>
+                  </a:txBody>
+                  <a:tcPr marL="5443" marR="5443" marT="5443" marB="0" anchor="b"/>
+                </a:tc>
+                <a:extLst>
+                  <a:ext uri="{0D108BD9-81ED-4DB2-BD59-A6C34878D82A}">
+                    <a16:rowId xmlns:a16="http://schemas.microsoft.com/office/drawing/2014/main" val="1279780221"/>
+                  </a:ext>
+                </a:extLst>
+              </a:tr>
+              <a:tr h="370840">
+                <a:tc>
+                  <a:txBody>
+                    <a:bodyPr/>
+                    <a:lstStyle/>
+                    <a:p>
+                      <a:pPr marL="0" algn="l" defTabSz="914400" rtl="0" eaLnBrk="1" fontAlgn="b" latinLnBrk="0" hangingPunct="1"/>
+                      <a:r>
+                        <a:rPr lang="en-US" sz="1800" b="0" kern="1200" dirty="0" err="1">
+                          <a:solidFill>
+                            <a:schemeClr val="tx1"/>
+                          </a:solidFill>
+                          <a:latin typeface="+mn-lt"/>
+                          <a:ea typeface="+mn-ea"/>
+                          <a:cs typeface="+mn-cs"/>
+                        </a:rPr>
+                        <a:t>Hikaricp.connections</a:t>
+                      </a:r>
+                      <a:endParaRPr lang="en-US" sz="1800" b="0" kern="1200" dirty="0">
+                        <a:solidFill>
+                          <a:schemeClr val="tx1"/>
+                        </a:solidFill>
+                        <a:latin typeface="+mn-lt"/>
+                        <a:ea typeface="+mn-ea"/>
+                        <a:cs typeface="+mn-cs"/>
+                      </a:endParaRPr>
+                    </a:p>
+                  </a:txBody>
+                  <a:tcPr marL="5443" marR="5443" marT="5443" marB="0" anchor="b"/>
+                </a:tc>
+                <a:tc>
+                  <a:txBody>
+                    <a:bodyPr/>
+                    <a:lstStyle/>
+                    <a:p>
+                      <a:pPr marL="0" algn="l" defTabSz="914400" rtl="0" eaLnBrk="1" fontAlgn="b" latinLnBrk="0" hangingPunct="1"/>
+                      <a:r>
+                        <a:rPr lang="zh-CN" altLang="en-US" sz="1800" b="0" kern="1200" dirty="0">
+                          <a:solidFill>
+                            <a:schemeClr val="tx1"/>
+                          </a:solidFill>
+                          <a:latin typeface="+mn-lt"/>
+                          <a:ea typeface="+mn-ea"/>
+                          <a:cs typeface="+mn-cs"/>
+                        </a:rPr>
+                        <a:t>连接池的总共连接数</a:t>
+                      </a:r>
+                    </a:p>
+                  </a:txBody>
+                  <a:tcPr marL="5443" marR="5443" marT="5443" marB="0" anchor="b"/>
+                </a:tc>
+                <a:extLst>
+                  <a:ext uri="{0D108BD9-81ED-4DB2-BD59-A6C34878D82A}">
+                    <a16:rowId xmlns:a16="http://schemas.microsoft.com/office/drawing/2014/main" val="2679090790"/>
+                  </a:ext>
+                </a:extLst>
+              </a:tr>
+              <a:tr h="370840">
+                <a:tc>
+                  <a:txBody>
+                    <a:bodyPr/>
+                    <a:lstStyle/>
+                    <a:p>
+                      <a:pPr marL="0" algn="l" defTabSz="914400" rtl="0" eaLnBrk="1" fontAlgn="b" latinLnBrk="0" hangingPunct="1"/>
+                      <a:r>
+                        <a:rPr lang="en-US" altLang="zh-CN" sz="1800" b="0" kern="1200" dirty="0" err="1">
+                          <a:solidFill>
+                            <a:schemeClr val="tx1"/>
+                          </a:solidFill>
+                          <a:latin typeface="+mn-lt"/>
+                          <a:ea typeface="+mn-ea"/>
+                          <a:cs typeface="+mn-cs"/>
+                        </a:rPr>
+                        <a:t>hikaricp</a:t>
+                      </a:r>
+                      <a:r>
+                        <a:rPr lang="en-US" sz="1800" b="0" kern="1200" dirty="0" err="1">
+                          <a:solidFill>
+                            <a:schemeClr val="tx1"/>
+                          </a:solidFill>
+                          <a:latin typeface="+mn-lt"/>
+                          <a:ea typeface="+mn-ea"/>
+                          <a:cs typeface="+mn-cs"/>
+                        </a:rPr>
+                        <a:t>.connections.max</a:t>
+                      </a:r>
+                      <a:endParaRPr lang="en-US" sz="1800" b="0" kern="1200" dirty="0">
+                        <a:solidFill>
+                          <a:schemeClr val="tx1"/>
+                        </a:solidFill>
+                        <a:latin typeface="+mn-lt"/>
+                        <a:ea typeface="+mn-ea"/>
+                        <a:cs typeface="+mn-cs"/>
+                      </a:endParaRPr>
+                    </a:p>
+                  </a:txBody>
+                  <a:tcPr marL="5443" marR="5443" marT="5443" marB="0" anchor="b"/>
+                </a:tc>
+                <a:tc>
+                  <a:txBody>
+                    <a:bodyPr/>
+                    <a:lstStyle/>
+                    <a:p>
+                      <a:pPr marL="0" algn="l" defTabSz="914400" rtl="0" eaLnBrk="1" fontAlgn="b" latinLnBrk="0" hangingPunct="1"/>
+                      <a:r>
+                        <a:rPr lang="zh-CN" altLang="en-US" sz="1800" b="0" kern="1200" dirty="0">
+                          <a:solidFill>
+                            <a:schemeClr val="tx1"/>
+                          </a:solidFill>
+                          <a:latin typeface="+mn-lt"/>
+                          <a:ea typeface="+mn-ea"/>
+                          <a:cs typeface="+mn-cs"/>
+                        </a:rPr>
+                        <a:t>连接池最大连接数</a:t>
+                      </a:r>
+                    </a:p>
+                  </a:txBody>
+                  <a:tcPr marL="5443" marR="5443" marT="5443" marB="0" anchor="b"/>
+                </a:tc>
+                <a:extLst>
+                  <a:ext uri="{0D108BD9-81ED-4DB2-BD59-A6C34878D82A}">
+                    <a16:rowId xmlns:a16="http://schemas.microsoft.com/office/drawing/2014/main" val="3689535220"/>
+                  </a:ext>
+                </a:extLst>
+              </a:tr>
+              <a:tr h="370840">
+                <a:tc>
+                  <a:txBody>
+                    <a:bodyPr/>
+                    <a:lstStyle/>
+                    <a:p>
+                      <a:pPr marL="0" marR="0" lvl="0" indent="0" algn="l" defTabSz="914400" rtl="0" eaLnBrk="1" fontAlgn="b" latinLnBrk="0" hangingPunct="1">
+                        <a:lnSpc>
+                          <a:spcPct val="100000"/>
+                        </a:lnSpc>
+                        <a:spcBef>
+                          <a:spcPts val="0"/>
+                        </a:spcBef>
+                        <a:spcAft>
+                          <a:spcPts val="0"/>
+                        </a:spcAft>
+                        <a:buClrTx/>
+                        <a:buSzTx/>
+                        <a:buFontTx/>
+                        <a:buNone/>
+                        <a:tabLst/>
+                        <a:defRPr/>
+                      </a:pPr>
+                      <a:r>
+                        <a:rPr lang="en-US" altLang="zh-CN" sz="1800" b="0" kern="1200" dirty="0" err="1">
+                          <a:solidFill>
+                            <a:schemeClr val="tx1"/>
+                          </a:solidFill>
+                          <a:latin typeface="+mn-lt"/>
+                          <a:ea typeface="+mn-ea"/>
+                          <a:cs typeface="+mn-cs"/>
+                        </a:rPr>
+                        <a:t>hikaricp.connections.min</a:t>
+                      </a:r>
+                      <a:endParaRPr lang="en-US" sz="1800" b="0" kern="1200" dirty="0">
+                        <a:solidFill>
+                          <a:schemeClr val="tx1"/>
+                        </a:solidFill>
+                        <a:latin typeface="+mn-lt"/>
+                        <a:ea typeface="+mn-ea"/>
+                        <a:cs typeface="+mn-cs"/>
+                      </a:endParaRPr>
+                    </a:p>
+                  </a:txBody>
+                  <a:tcPr marL="5443" marR="5443" marT="5443" marB="0" anchor="b"/>
+                </a:tc>
+                <a:tc>
+                  <a:txBody>
+                    <a:bodyPr/>
+                    <a:lstStyle/>
+                    <a:p>
+                      <a:pPr marL="0" algn="l" defTabSz="914400" rtl="0" eaLnBrk="1" fontAlgn="b" latinLnBrk="0" hangingPunct="1"/>
+                      <a:r>
+                        <a:rPr lang="zh-CN" altLang="en-US" sz="1800" b="0" kern="1200" dirty="0">
+                          <a:solidFill>
+                            <a:schemeClr val="tx1"/>
+                          </a:solidFill>
+                          <a:latin typeface="+mn-lt"/>
+                          <a:ea typeface="+mn-ea"/>
+                          <a:cs typeface="+mn-cs"/>
+                        </a:rPr>
+                        <a:t>连接池最小连接数</a:t>
+                      </a:r>
+                    </a:p>
+                  </a:txBody>
+                  <a:tcPr marL="5443" marR="5443" marT="5443" marB="0" anchor="b"/>
+                </a:tc>
+                <a:extLst>
+                  <a:ext uri="{0D108BD9-81ED-4DB2-BD59-A6C34878D82A}">
+                    <a16:rowId xmlns:a16="http://schemas.microsoft.com/office/drawing/2014/main" val="2410902986"/>
+                  </a:ext>
+                </a:extLst>
+              </a:tr>
+            </a:tbl>
+          </a:graphicData>
+        </a:graphic>
+      </p:graphicFrame>
     </p:spTree>
     <p:extLst>
       <p:ext uri="{BB962C8B-B14F-4D97-AF65-F5344CB8AC3E}">
         <p14:creationId xmlns:p14="http://schemas.microsoft.com/office/powerpoint/2010/main" val="3050291050"/>
+      </p:ext>
+    </p:extLst>
+  </p:cSld>
+  <p:clrMapOvr>
+    <a:masterClrMapping/>
+  </p:clrMapOvr>
+</p:sld>
+</file>
+
+<file path=ppt/slides/slide6.xml><?xml version="1.0" encoding="utf-8"?>
+<p:sld xmlns:a="http://schemas.openxmlformats.org/drawingml/2006/main" xmlns:r="http://schemas.openxmlformats.org/officeDocument/2006/relationships" xmlns:p="http://schemas.openxmlformats.org/presentationml/2006/main">
+  <p:cSld>
+    <p:spTree>
+      <p:nvGrpSpPr>
+        <p:cNvPr id="1" name=""/>
+        <p:cNvGrpSpPr/>
+        <p:nvPr/>
+      </p:nvGrpSpPr>
+      <p:grpSpPr>
+        <a:xfrm>
+          <a:off x="0" y="0"/>
+          <a:ext cx="0" cy="0"/>
+          <a:chOff x="0" y="0"/>
+          <a:chExt cx="0" cy="0"/>
+        </a:xfrm>
+      </p:grpSpPr>
+      <p:sp>
+        <p:nvSpPr>
+          <p:cNvPr id="2" name="标题 1">
+            <a:extLst>
+              <a:ext uri="{FF2B5EF4-FFF2-40B4-BE49-F238E27FC236}">
+                <a16:creationId xmlns:a16="http://schemas.microsoft.com/office/drawing/2014/main" id="{6B8D9A19-FBBA-4DBB-A809-47960A880C20}"/>
+              </a:ext>
+            </a:extLst>
+          </p:cNvPr>
+          <p:cNvSpPr>
+            <a:spLocks noGrp="1"/>
+          </p:cNvSpPr>
+          <p:nvPr>
+            <p:ph type="title"/>
+          </p:nvPr>
+        </p:nvSpPr>
+        <p:spPr>
+          <a:xfrm>
+            <a:off x="838200" y="365125"/>
+            <a:ext cx="10515600" cy="1325563"/>
+          </a:xfrm>
+        </p:spPr>
+        <p:txBody>
+          <a:bodyPr/>
+          <a:lstStyle/>
+          <a:p>
+            <a:endParaRPr lang="zh-CN" altLang="en-US"/>
+          </a:p>
+        </p:txBody>
+      </p:sp>
+      <p:pic>
+        <p:nvPicPr>
+          <p:cNvPr id="4" name="内容占位符 3">
+            <a:extLst>
+              <a:ext uri="{FF2B5EF4-FFF2-40B4-BE49-F238E27FC236}">
+                <a16:creationId xmlns:a16="http://schemas.microsoft.com/office/drawing/2014/main" id="{1F8FC7A6-1066-4AE8-A6C0-41065954D6A9}"/>
+              </a:ext>
+            </a:extLst>
+          </p:cNvPr>
+          <p:cNvPicPr>
+            <a:picLocks noGrp="1" noChangeAspect="1"/>
+          </p:cNvPicPr>
+          <p:nvPr>
+            <p:ph idx="1"/>
+          </p:nvPr>
+        </p:nvPicPr>
+        <p:blipFill>
+          <a:blip r:embed="rId2"/>
+          <a:stretch>
+            <a:fillRect/>
+          </a:stretch>
+        </p:blipFill>
+        <p:spPr>
+          <a:xfrm>
+            <a:off x="2097170" y="1825625"/>
+            <a:ext cx="7997660" cy="4351338"/>
+          </a:xfrm>
+          <a:prstGeom prst="rect">
+            <a:avLst/>
+          </a:prstGeom>
+        </p:spPr>
+      </p:pic>
+    </p:spTree>
+    <p:extLst>
+      <p:ext uri="{BB962C8B-B14F-4D97-AF65-F5344CB8AC3E}">
+        <p14:creationId xmlns:p14="http://schemas.microsoft.com/office/powerpoint/2010/main" val="133065548"/>
+      </p:ext>
+    </p:extLst>
+  </p:cSld>
+  <p:clrMapOvr>
+    <a:masterClrMapping/>
+  </p:clrMapOvr>
+</p:sld>
+</file>
+
+<file path=ppt/slides/slide7.xml><?xml version="1.0" encoding="utf-8"?>
+<p:sld xmlns:a="http://schemas.openxmlformats.org/drawingml/2006/main" xmlns:r="http://schemas.openxmlformats.org/officeDocument/2006/relationships" xmlns:p="http://schemas.openxmlformats.org/presentationml/2006/main">
+  <p:cSld>
+    <p:spTree>
+      <p:nvGrpSpPr>
+        <p:cNvPr id="1" name=""/>
+        <p:cNvGrpSpPr/>
+        <p:nvPr/>
+      </p:nvGrpSpPr>
+      <p:grpSpPr>
+        <a:xfrm>
+          <a:off x="0" y="0"/>
+          <a:ext cx="0" cy="0"/>
+          <a:chOff x="0" y="0"/>
+          <a:chExt cx="0" cy="0"/>
+        </a:xfrm>
+      </p:grpSpPr>
+      <p:sp>
+        <p:nvSpPr>
+          <p:cNvPr id="3" name="内容占位符 2">
+            <a:extLst>
+              <a:ext uri="{FF2B5EF4-FFF2-40B4-BE49-F238E27FC236}">
+                <a16:creationId xmlns:a16="http://schemas.microsoft.com/office/drawing/2014/main" id="{78DFFF50-F623-4108-B070-F127FA9728D9}"/>
+              </a:ext>
+            </a:extLst>
+          </p:cNvPr>
+          <p:cNvSpPr>
+            <a:spLocks noGrp="1"/>
+          </p:cNvSpPr>
+          <p:nvPr>
+            <p:ph idx="1"/>
+          </p:nvPr>
+        </p:nvSpPr>
+        <p:spPr>
+          <a:xfrm>
+            <a:off x="838200" y="1825625"/>
+            <a:ext cx="10515600" cy="5245270"/>
+          </a:xfrm>
+        </p:spPr>
+        <p:txBody>
+          <a:bodyPr>
+            <a:normAutofit lnSpcReduction="10000"/>
+          </a:bodyPr>
+          <a:lstStyle/>
+          <a:p>
+            <a:r>
+              <a:rPr lang="zh-CN" altLang="en-US" dirty="0"/>
+              <a:t>劣势：和</a:t>
+            </a:r>
+            <a:r>
+              <a:rPr lang="en-US" altLang="zh-CN" dirty="0"/>
+              <a:t>spring boot</a:t>
+            </a:r>
+            <a:r>
+              <a:rPr lang="zh-CN" altLang="en-US" dirty="0"/>
+              <a:t>整合风险，无法集中监控，耦合非连接池核心功能，监控数据如果只保存在内存中，重启之后就会丢失</a:t>
+            </a:r>
+            <a:endParaRPr lang="en-US" altLang="zh-CN" dirty="0"/>
+          </a:p>
+          <a:p>
+            <a:r>
+              <a:rPr lang="zh-CN" altLang="en-US" dirty="0"/>
+              <a:t>连接池监控、</a:t>
+            </a:r>
+            <a:r>
+              <a:rPr lang="en-US" altLang="zh-CN" dirty="0"/>
+              <a:t>SQL</a:t>
+            </a:r>
+            <a:r>
+              <a:rPr lang="zh-CN" altLang="en-US" dirty="0"/>
+              <a:t>执行效率监控</a:t>
+            </a:r>
+            <a:endParaRPr lang="en-US" altLang="zh-CN" dirty="0"/>
+          </a:p>
+          <a:p>
+            <a:endParaRPr lang="en-US" altLang="zh-CN" dirty="0"/>
+          </a:p>
+          <a:p>
+            <a:endParaRPr lang="en-US" altLang="zh-CN" dirty="0"/>
+          </a:p>
+          <a:p>
+            <a:r>
+              <a:rPr lang="en-US" altLang="zh-CN" dirty="0"/>
+              <a:t>druid:</a:t>
+            </a:r>
+          </a:p>
+          <a:p>
+            <a:pPr marL="0" indent="0">
+              <a:buNone/>
+            </a:pPr>
+            <a:r>
+              <a:rPr lang="zh-CN" altLang="en-US" dirty="0"/>
+              <a:t>开启</a:t>
+            </a:r>
+            <a:r>
+              <a:rPr lang="en-US" altLang="zh-CN" dirty="0"/>
+              <a:t>test-on-idle</a:t>
+            </a:r>
+          </a:p>
+          <a:p>
+            <a:pPr marL="0" indent="0">
+              <a:buNone/>
+            </a:pPr>
+            <a:r>
+              <a:rPr lang="zh-CN" altLang="en-US" dirty="0"/>
+              <a:t>开启</a:t>
+            </a:r>
+            <a:r>
+              <a:rPr lang="en-US" altLang="zh-CN" dirty="0"/>
+              <a:t>keep-alive</a:t>
+            </a:r>
+          </a:p>
+          <a:p>
+            <a:pPr marL="0" indent="0">
+              <a:buNone/>
+            </a:pPr>
+            <a:r>
+              <a:rPr lang="zh-CN" altLang="en-US" dirty="0"/>
+              <a:t>开始</a:t>
+            </a:r>
+            <a:r>
+              <a:rPr lang="en-US" altLang="zh-CN" dirty="0" err="1"/>
+              <a:t>PScache</a:t>
+            </a:r>
+            <a:endParaRPr lang="en-US" altLang="zh-CN" dirty="0"/>
+          </a:p>
+          <a:p>
+            <a:pPr marL="0" indent="0">
+              <a:buNone/>
+            </a:pPr>
+            <a:r>
+              <a:rPr lang="zh-CN" altLang="en-US" dirty="0"/>
+              <a:t>关闭连接泄露检查，启用非公平锁</a:t>
+            </a:r>
+            <a:endParaRPr lang="en-US" altLang="zh-CN" dirty="0"/>
+          </a:p>
+          <a:p>
+            <a:pPr marL="0" indent="0">
+              <a:buNone/>
+            </a:pPr>
+            <a:r>
+              <a:rPr lang="en-US" altLang="zh-CN" dirty="0">
+                <a:hlinkClick r:id="rId2"/>
+              </a:rPr>
+              <a:t>https://github.com/alibaba/druid/issues/1796</a:t>
+            </a:r>
+            <a:endParaRPr lang="en-US" altLang="zh-CN" dirty="0"/>
+          </a:p>
+          <a:p>
+            <a:pPr marL="0" indent="0">
+              <a:buNone/>
+            </a:pPr>
+            <a:endParaRPr lang="en-US" altLang="zh-CN" dirty="0"/>
+          </a:p>
+        </p:txBody>
+      </p:sp>
+    </p:spTree>
+    <p:extLst>
+      <p:ext uri="{BB962C8B-B14F-4D97-AF65-F5344CB8AC3E}">
+        <p14:creationId xmlns:p14="http://schemas.microsoft.com/office/powerpoint/2010/main" val="3963653145"/>
+      </p:ext>
+    </p:extLst>
+  </p:cSld>
+  <p:clrMapOvr>
+    <a:masterClrMapping/>
+  </p:clrMapOvr>
+</p:sld>
+</file>
+
+<file path=ppt/slides/slide8.xml><?xml version="1.0" encoding="utf-8"?>
+<p:sld xmlns:a="http://schemas.openxmlformats.org/drawingml/2006/main" xmlns:r="http://schemas.openxmlformats.org/officeDocument/2006/relationships" xmlns:p="http://schemas.openxmlformats.org/presentationml/2006/main">
+  <p:cSld>
+    <p:spTree>
+      <p:nvGrpSpPr>
+        <p:cNvPr id="1" name=""/>
+        <p:cNvGrpSpPr/>
+        <p:nvPr/>
+      </p:nvGrpSpPr>
+      <p:grpSpPr>
+        <a:xfrm>
+          <a:off x="0" y="0"/>
+          <a:ext cx="0" cy="0"/>
+          <a:chOff x="0" y="0"/>
+          <a:chExt cx="0" cy="0"/>
+        </a:xfrm>
+      </p:grpSpPr>
+      <p:sp>
+        <p:nvSpPr>
+          <p:cNvPr id="2" name="标题 1">
+            <a:extLst>
+              <a:ext uri="{FF2B5EF4-FFF2-40B4-BE49-F238E27FC236}">
+                <a16:creationId xmlns:a16="http://schemas.microsoft.com/office/drawing/2014/main" id="{87CC726D-58F8-4B41-B36C-C5E1CA7AC176}"/>
+              </a:ext>
+            </a:extLst>
+          </p:cNvPr>
+          <p:cNvSpPr>
+            <a:spLocks noGrp="1"/>
+          </p:cNvSpPr>
+          <p:nvPr>
+            <p:ph type="title"/>
+          </p:nvPr>
+        </p:nvSpPr>
+        <p:spPr/>
+        <p:txBody>
+          <a:bodyPr/>
+          <a:lstStyle/>
+          <a:p>
+            <a:endParaRPr lang="zh-CN" altLang="en-US"/>
+          </a:p>
+        </p:txBody>
+      </p:sp>
+      <p:sp>
+        <p:nvSpPr>
+          <p:cNvPr id="3" name="内容占位符 2">
+            <a:extLst>
+              <a:ext uri="{FF2B5EF4-FFF2-40B4-BE49-F238E27FC236}">
+                <a16:creationId xmlns:a16="http://schemas.microsoft.com/office/drawing/2014/main" id="{CD6FC471-F92C-4ABC-845D-42528A3CAB99}"/>
+              </a:ext>
+            </a:extLst>
+          </p:cNvPr>
+          <p:cNvSpPr>
+            <a:spLocks noGrp="1"/>
+          </p:cNvSpPr>
+          <p:nvPr>
+            <p:ph idx="1"/>
+          </p:nvPr>
+        </p:nvSpPr>
+        <p:spPr/>
+        <p:txBody>
+          <a:bodyPr/>
+          <a:lstStyle/>
+          <a:p>
+            <a:r>
+              <a:rPr lang="en-US" altLang="zh-CN" dirty="0" err="1"/>
+              <a:t>Hikaricp</a:t>
+            </a:r>
+            <a:r>
+              <a:rPr lang="en-US" altLang="zh-CN" dirty="0"/>
+              <a:t>:</a:t>
+            </a:r>
+          </a:p>
+          <a:p>
+            <a:pPr marL="0" indent="0">
+              <a:buNone/>
+            </a:pPr>
+            <a:r>
+              <a:rPr lang="zh-CN" altLang="en-US" dirty="0"/>
+              <a:t>不要配置</a:t>
+            </a:r>
+            <a:r>
+              <a:rPr lang="en-US" altLang="zh-CN" dirty="0"/>
+              <a:t>Don't use the </a:t>
+            </a:r>
+            <a:r>
+              <a:rPr lang="en-US" altLang="zh-CN" dirty="0" err="1"/>
+              <a:t>connectionTestQuery</a:t>
+            </a:r>
+            <a:r>
+              <a:rPr lang="en-US" altLang="zh-CN" dirty="0"/>
+              <a:t>, instead allow </a:t>
+            </a:r>
+            <a:r>
+              <a:rPr lang="en-US" altLang="zh-CN" dirty="0" err="1"/>
+              <a:t>HikariCP</a:t>
+            </a:r>
+            <a:r>
+              <a:rPr lang="en-US" altLang="zh-CN" dirty="0"/>
+              <a:t> to use the </a:t>
+            </a:r>
+            <a:r>
+              <a:rPr lang="en-US" altLang="zh-CN" dirty="0" err="1"/>
+              <a:t>Connection.isValid</a:t>
+            </a:r>
+            <a:r>
+              <a:rPr lang="en-US" altLang="zh-CN" dirty="0"/>
+              <a:t>() method (the default).</a:t>
+            </a:r>
+          </a:p>
+          <a:p>
+            <a:pPr marL="0" indent="0">
+              <a:buNone/>
+            </a:pPr>
+            <a:r>
+              <a:rPr lang="en-US" altLang="zh-CN" dirty="0"/>
+              <a:t>Ping</a:t>
+            </a:r>
+            <a:r>
+              <a:rPr lang="zh-CN" altLang="en-US" dirty="0"/>
+              <a:t>方式性能好一倍</a:t>
+            </a:r>
+            <a:endParaRPr lang="en-US" altLang="zh-CN" dirty="0"/>
+          </a:p>
+          <a:p>
+            <a:pPr marL="0" indent="0">
+              <a:buNone/>
+            </a:pPr>
+            <a:r>
+              <a:rPr lang="zh-CN" altLang="en-US" dirty="0"/>
+              <a:t>开启</a:t>
+            </a:r>
+            <a:r>
+              <a:rPr lang="en-US" altLang="zh-CN" dirty="0"/>
+              <a:t>driver </a:t>
+            </a:r>
+            <a:r>
+              <a:rPr lang="zh-CN" altLang="en-US" dirty="0"/>
+              <a:t>的</a:t>
+            </a:r>
+            <a:r>
+              <a:rPr lang="en-US" altLang="zh-CN" dirty="0" err="1"/>
+              <a:t>pscache</a:t>
+            </a:r>
+            <a:endParaRPr lang="en-US" altLang="zh-CN" dirty="0"/>
+          </a:p>
+          <a:p>
+            <a:pPr marL="0" indent="0">
+              <a:buNone/>
+            </a:pPr>
+            <a:r>
+              <a:rPr lang="zh-CN" altLang="en-US" dirty="0"/>
+              <a:t>不要配置</a:t>
+            </a:r>
+            <a:r>
+              <a:rPr lang="en-US" altLang="zh-CN" dirty="0" err="1"/>
+              <a:t>minimumIdle</a:t>
+            </a:r>
+            <a:r>
+              <a:rPr lang="zh-CN" altLang="en-US" dirty="0"/>
+              <a:t>，使用固定大小连接池</a:t>
+            </a:r>
+            <a:endParaRPr lang="en-US" altLang="zh-CN" dirty="0"/>
+          </a:p>
+          <a:p>
+            <a:pPr marL="0" indent="0">
+              <a:buNone/>
+            </a:pPr>
+            <a:r>
+              <a:rPr lang="zh-CN" altLang="en-US" dirty="0"/>
+              <a:t>不要开启连接泄露检测</a:t>
+            </a:r>
+            <a:endParaRPr lang="en-US" altLang="zh-CN" dirty="0"/>
+          </a:p>
+          <a:p>
+            <a:pPr marL="0" indent="0">
+              <a:buNone/>
+            </a:pPr>
+            <a:r>
+              <a:rPr lang="zh-CN" altLang="en-US" dirty="0"/>
+              <a:t>连接存活时间应该比网络设备超时时间短</a:t>
+            </a:r>
+            <a:r>
+              <a:rPr lang="en-US" altLang="zh-CN" dirty="0"/>
+              <a:t>5s</a:t>
+            </a:r>
+            <a:endParaRPr lang="zh-CN" altLang="en-US" dirty="0"/>
+          </a:p>
+        </p:txBody>
+      </p:sp>
+    </p:spTree>
+    <p:extLst>
+      <p:ext uri="{BB962C8B-B14F-4D97-AF65-F5344CB8AC3E}">
+        <p14:creationId xmlns:p14="http://schemas.microsoft.com/office/powerpoint/2010/main" val="1836203851"/>
       </p:ext>
     </p:extLst>
   </p:cSld>
